--- a/slides/week13.pptx
+++ b/slides/week13.pptx
@@ -6349,8 +6349,9 @@
             </a:endParaRPr>
           </a:p>
           <a:p>
-            <a:r>
-              <a:rPr lang="zh-CN" altLang="en-US" sz="2600" dirty="0">
+            <a:pPr lvl="1"/>
+            <a:r>
+              <a:rPr lang="zh-CN" altLang="en-US" sz="2400" dirty="0">
                 <a:solidFill>
                   <a:srgbClr val="000000"/>
                 </a:solidFill>
@@ -6358,7 +6359,7 @@
               </a:rPr>
               <a:t>重构了先前的代码</a:t>
             </a:r>
-            <a:endParaRPr lang="en-US" altLang="zh-CN" sz="2600" dirty="0">
+            <a:endParaRPr lang="en-US" altLang="zh-CN" sz="2400" dirty="0">
               <a:solidFill>
                 <a:srgbClr val="000000"/>
               </a:solidFill>
@@ -6366,6 +6367,27 @@
             </a:endParaRPr>
           </a:p>
           <a:p>
+            <a:pPr lvl="2"/>
+            <a:r>
+              <a:rPr lang="zh-CN" altLang="en-US" sz="2200" dirty="0">
+                <a:solidFill>
+                  <a:srgbClr val="000000"/>
+                </a:solidFill>
+                <a:latin typeface="-apple-system"/>
+              </a:rPr>
+              <a:t>去掉了绝大部分的</a:t>
+            </a:r>
+            <a:r>
+              <a:rPr lang="en-US" altLang="zh-CN" sz="2200" dirty="0">
+                <a:solidFill>
+                  <a:srgbClr val="000000"/>
+                </a:solidFill>
+                <a:latin typeface="-apple-system"/>
+              </a:rPr>
+              <a:t>unsafe code</a:t>
+            </a:r>
+          </a:p>
+          <a:p>
             <a:pPr lvl="1"/>
             <a:r>
               <a:rPr lang="zh-CN" altLang="en-US" sz="2400" dirty="0">
@@ -6374,30 +6396,10 @@
                 </a:solidFill>
                 <a:latin typeface="-apple-system"/>
               </a:rPr>
-              <a:t>去掉了绝大部分的</a:t>
-            </a:r>
-            <a:r>
-              <a:rPr lang="en-US" altLang="zh-CN" sz="2400" dirty="0">
-                <a:solidFill>
-                  <a:srgbClr val="000000"/>
-                </a:solidFill>
-                <a:latin typeface="-apple-system"/>
-              </a:rPr>
-              <a:t>unsafe code</a:t>
-            </a:r>
-          </a:p>
-          <a:p>
-            <a:r>
-              <a:rPr lang="zh-CN" altLang="en-US" sz="2600" dirty="0">
-                <a:solidFill>
-                  <a:srgbClr val="000000"/>
-                </a:solidFill>
-                <a:latin typeface="-apple-system"/>
-              </a:rPr>
               <a:t>将先前实现的所有算法和测试用例接入</a:t>
             </a:r>
             <a:r>
-              <a:rPr lang="en-US" altLang="zh-CN" sz="2600" dirty="0" err="1">
+              <a:rPr lang="en-US" altLang="zh-CN" sz="2400" dirty="0" err="1">
                 <a:solidFill>
                   <a:srgbClr val="000000"/>
                 </a:solidFill>
@@ -6405,7 +6407,7 @@
               </a:rPr>
               <a:t>arceos</a:t>
             </a:r>
-            <a:endParaRPr lang="en-US" altLang="zh-CN" sz="2600" dirty="0">
+            <a:endParaRPr lang="en-US" altLang="zh-CN" sz="2400" dirty="0">
               <a:solidFill>
                 <a:srgbClr val="000000"/>
               </a:solidFill>
@@ -6413,8 +6415,9 @@
             </a:endParaRPr>
           </a:p>
           <a:p>
-            <a:r>
-              <a:rPr lang="zh-CN" altLang="en-US" sz="2600" dirty="0">
+            <a:pPr lvl="1"/>
+            <a:r>
+              <a:rPr lang="zh-CN" altLang="en-US" sz="2400" dirty="0">
                 <a:solidFill>
                   <a:srgbClr val="000000"/>
                 </a:solidFill>
@@ -6423,7 +6426,7 @@
               <a:t>将</a:t>
             </a:r>
             <a:r>
-              <a:rPr lang="en-US" altLang="zh-CN" sz="2600" dirty="0">
+              <a:rPr lang="en-US" altLang="zh-CN" sz="2400" dirty="0">
                 <a:solidFill>
                   <a:srgbClr val="000000"/>
                 </a:solidFill>
@@ -6432,7 +6435,7 @@
               <a:t>testbench</a:t>
             </a:r>
             <a:r>
-              <a:rPr lang="zh-CN" altLang="en-US" sz="2600" dirty="0">
+              <a:rPr lang="zh-CN" altLang="en-US" sz="2400" dirty="0">
                 <a:solidFill>
                   <a:srgbClr val="000000"/>
                 </a:solidFill>
@@ -6441,7 +6444,7 @@
               <a:t>中的几种</a:t>
             </a:r>
             <a:r>
-              <a:rPr lang="en-US" altLang="zh-CN" sz="2600" dirty="0">
+              <a:rPr lang="en-US" altLang="zh-CN" sz="2400" dirty="0">
                 <a:solidFill>
                   <a:srgbClr val="000000"/>
                 </a:solidFill>
@@ -6450,7 +6453,7 @@
               <a:t>c</a:t>
             </a:r>
             <a:r>
-              <a:rPr lang="zh-CN" altLang="en-US" sz="2600" dirty="0">
+              <a:rPr lang="zh-CN" altLang="en-US" sz="2400" dirty="0">
                 <a:solidFill>
                   <a:srgbClr val="000000"/>
                 </a:solidFill>
@@ -6459,7 +6462,7 @@
               <a:t>语言测试用例接入</a:t>
             </a:r>
             <a:r>
-              <a:rPr lang="en-US" altLang="zh-CN" sz="2600" dirty="0" err="1">
+              <a:rPr lang="en-US" altLang="zh-CN" sz="2400" dirty="0" err="1">
                 <a:solidFill>
                   <a:srgbClr val="000000"/>
                 </a:solidFill>
@@ -6467,7 +6470,7 @@
               </a:rPr>
               <a:t>arceos</a:t>
             </a:r>
-            <a:endParaRPr lang="en-US" altLang="zh-CN" sz="2600" dirty="0">
+            <a:endParaRPr lang="en-US" altLang="zh-CN" sz="2400" dirty="0">
               <a:solidFill>
                 <a:srgbClr val="000000"/>
               </a:solidFill>
@@ -6475,8 +6478,9 @@
             </a:endParaRPr>
           </a:p>
           <a:p>
-            <a:r>
-              <a:rPr lang="zh-CN" altLang="en-US" sz="2600" dirty="0">
+            <a:pPr lvl="1"/>
+            <a:r>
+              <a:rPr lang="zh-CN" altLang="en-US" sz="2400" dirty="0">
                 <a:solidFill>
                   <a:srgbClr val="000000"/>
                 </a:solidFill>
@@ -6485,7 +6489,7 @@
               <a:t>在</a:t>
             </a:r>
             <a:r>
-              <a:rPr lang="en-US" altLang="zh-CN" sz="2600" dirty="0" err="1">
+              <a:rPr lang="en-US" altLang="zh-CN" sz="2400" dirty="0" err="1">
                 <a:solidFill>
                   <a:srgbClr val="000000"/>
                 </a:solidFill>
@@ -6494,7 +6498,7 @@
               <a:t>arceos</a:t>
             </a:r>
             <a:r>
-              <a:rPr lang="zh-CN" altLang="en-US" sz="2600" dirty="0">
+              <a:rPr lang="zh-CN" altLang="en-US" sz="2400" dirty="0">
                 <a:solidFill>
                   <a:srgbClr val="000000"/>
                 </a:solidFill>
@@ -6502,7 +6506,7 @@
               </a:rPr>
               <a:t>中测试了上述所有算法和数据组合</a:t>
             </a:r>
-            <a:endParaRPr lang="en-US" altLang="zh-CN" sz="2600" dirty="0">
+            <a:endParaRPr lang="en-US" altLang="zh-CN" sz="2400" dirty="0">
               <a:solidFill>
                 <a:srgbClr val="000000"/>
               </a:solidFill>
@@ -9216,22 +9220,31 @@
           </a:p>
           <a:p>
             <a:r>
+              <a:rPr lang="zh-CN" altLang="en-US" sz="2600">
+                <a:solidFill>
+                  <a:srgbClr val="000000"/>
+                </a:solidFill>
+                <a:latin typeface="-apple-system"/>
+              </a:rPr>
+              <a:t>提交到助教的</a:t>
+            </a:r>
+            <a:r>
+              <a:rPr lang="en-US" altLang="zh-CN" sz="2600">
+                <a:solidFill>
+                  <a:srgbClr val="000000"/>
+                </a:solidFill>
+                <a:latin typeface="-apple-system"/>
+              </a:rPr>
+              <a:t>arceos</a:t>
+            </a:r>
+            <a:r>
               <a:rPr lang="zh-CN" altLang="en-US" sz="2600" dirty="0">
                 <a:solidFill>
                   <a:srgbClr val="000000"/>
                 </a:solidFill>
                 <a:latin typeface="-apple-system"/>
               </a:rPr>
-              <a:t>编写单线程版本的</a:t>
-            </a:r>
-            <a:r>
-              <a:rPr lang="en-US" altLang="zh-CN" sz="2600" dirty="0" err="1">
-                <a:solidFill>
-                  <a:srgbClr val="000000"/>
-                </a:solidFill>
-                <a:latin typeface="-apple-system"/>
-              </a:rPr>
-              <a:t>mimalloc</a:t>
+              <a:t>仓库</a:t>
             </a:r>
             <a:endParaRPr lang="en-US" altLang="zh-CN" sz="2600" dirty="0">
               <a:solidFill>
@@ -9248,6 +9261,32 @@
                 </a:solidFill>
                 <a:latin typeface="-apple-system"/>
               </a:rPr>
+              <a:t>编写单线程版本的</a:t>
+            </a:r>
+            <a:r>
+              <a:rPr lang="en-US" altLang="zh-CN" sz="2600" dirty="0" err="1">
+                <a:solidFill>
+                  <a:srgbClr val="000000"/>
+                </a:solidFill>
+                <a:latin typeface="-apple-system"/>
+              </a:rPr>
+              <a:t>mimalloc</a:t>
+            </a:r>
+            <a:endParaRPr lang="en-US" altLang="zh-CN" sz="2600" dirty="0">
+              <a:solidFill>
+                <a:srgbClr val="000000"/>
+              </a:solidFill>
+              <a:latin typeface="-apple-system"/>
+            </a:endParaRPr>
+          </a:p>
+          <a:p>
+            <a:r>
+              <a:rPr lang="zh-CN" altLang="en-US" sz="2600" dirty="0">
+                <a:solidFill>
+                  <a:srgbClr val="000000"/>
+                </a:solidFill>
+                <a:latin typeface="-apple-system"/>
+              </a:rPr>
               <a:t>实现</a:t>
             </a:r>
             <a:r>
@@ -9266,27 +9305,63 @@
                 </a:solidFill>
                 <a:latin typeface="-apple-system"/>
               </a:rPr>
-              <a:t>中的多线程测试、</a:t>
-            </a:r>
-            <a:r>
-              <a:rPr lang="en-US" altLang="zh-CN" sz="2600" dirty="0" err="1">
-                <a:solidFill>
-                  <a:srgbClr val="000000"/>
-                </a:solidFill>
-                <a:latin typeface="-apple-system"/>
-              </a:rPr>
-              <a:t>c++</a:t>
-            </a:r>
-            <a:r>
-              <a:rPr lang="zh-CN" altLang="en-US" sz="2600" dirty="0">
-                <a:solidFill>
-                  <a:srgbClr val="000000"/>
-                </a:solidFill>
-                <a:latin typeface="-apple-system"/>
-              </a:rPr>
-              <a:t>语言测试</a:t>
+              <a:t>中的多线程测试</a:t>
             </a:r>
             <a:endParaRPr lang="en-US" altLang="zh-CN" sz="2600" dirty="0">
+              <a:solidFill>
+                <a:srgbClr val="000000"/>
+              </a:solidFill>
+              <a:latin typeface="-apple-system"/>
+            </a:endParaRPr>
+          </a:p>
+          <a:p>
+            <a:pPr lvl="1"/>
+            <a:r>
+              <a:rPr lang="zh-CN" altLang="en-US" sz="2400" dirty="0">
+                <a:solidFill>
+                  <a:srgbClr val="000000"/>
+                </a:solidFill>
+                <a:latin typeface="-apple-system"/>
+              </a:rPr>
+              <a:t>先实现</a:t>
+            </a:r>
+            <a:r>
+              <a:rPr lang="en-US" altLang="zh-CN" sz="2400" dirty="0">
+                <a:solidFill>
+                  <a:srgbClr val="000000"/>
+                </a:solidFill>
+                <a:latin typeface="-apple-system"/>
+              </a:rPr>
+              <a:t>rust</a:t>
+            </a:r>
+            <a:r>
+              <a:rPr lang="zh-CN" altLang="en-US" sz="2400" dirty="0">
+                <a:solidFill>
+                  <a:srgbClr val="000000"/>
+                </a:solidFill>
+                <a:latin typeface="-apple-system"/>
+              </a:rPr>
+              <a:t>的多线程，再考虑</a:t>
+            </a:r>
+            <a:r>
+              <a:rPr lang="en-US" altLang="zh-CN" sz="2400" dirty="0">
+                <a:solidFill>
+                  <a:srgbClr val="000000"/>
+                </a:solidFill>
+                <a:latin typeface="-apple-system"/>
+              </a:rPr>
+              <a:t>c</a:t>
+            </a:r>
+            <a:r>
+              <a:rPr lang="zh-CN" altLang="en-US" sz="2400" dirty="0">
+                <a:solidFill>
+                  <a:srgbClr val="000000"/>
+                </a:solidFill>
+                <a:latin typeface="-apple-system"/>
+              </a:rPr>
+              <a:t>的</a:t>
+            </a:r>
+            <a:endParaRPr lang="en-US" altLang="zh-CN" sz="2400" dirty="0">
               <a:solidFill>
                 <a:srgbClr val="000000"/>
               </a:solidFill>
